--- a/Lessons/F_KNN_Decision_Tree/F_Decision Trees.pptx
+++ b/Lessons/F_KNN_Decision_Tree/F_Decision Trees.pptx
@@ -41,7 +41,7 @@
     <p:sldId id="344" r:id="rId32"/>
     <p:sldId id="345" r:id="rId33"/>
     <p:sldId id="329" r:id="rId34"/>
-    <p:sldId id="369" r:id="rId35"/>
+    <p:sldId id="361" r:id="rId35"/>
   </p:sldIdLst>
   <p:sldSz cx="9144000" cy="6858000" type="screen4x3"/>
   <p:notesSz cx="6858000" cy="9144000"/>
@@ -244,7 +244,7 @@
           <a:p>
             <a:fld id="{B0C0A60C-850A-4EA4-9C14-A8FE98B94505}" type="datetimeFigureOut">
               <a:rPr lang="en-US" smtClean="0"/>
-              <a:t>10/19/20</a:t>
+              <a:t>10/18/21</a:t>
             </a:fld>
             <a:endParaRPr lang="en-US"/>
           </a:p>
@@ -804,6 +804,90 @@
       </p:grpSpPr>
       <p:sp>
         <p:nvSpPr>
+          <p:cNvPr id="2" name="Slide Image Placeholder 1"/>
+          <p:cNvSpPr>
+            <a:spLocks noGrp="1" noRot="1" noChangeAspect="1"/>
+          </p:cNvSpPr>
+          <p:nvPr>
+            <p:ph type="sldImg"/>
+          </p:nvPr>
+        </p:nvSpPr>
+        <p:spPr/>
+      </p:sp>
+      <p:sp>
+        <p:nvSpPr>
+          <p:cNvPr id="3" name="Notes Placeholder 2"/>
+          <p:cNvSpPr>
+            <a:spLocks noGrp="1"/>
+          </p:cNvSpPr>
+          <p:nvPr>
+            <p:ph type="body" idx="1"/>
+          </p:nvPr>
+        </p:nvSpPr>
+        <p:spPr/>
+        <p:txBody>
+          <a:bodyPr/>
+          <a:lstStyle/>
+          <a:p>
+            <a:endParaRPr lang="en-US" dirty="0"/>
+          </a:p>
+        </p:txBody>
+      </p:sp>
+      <p:sp>
+        <p:nvSpPr>
+          <p:cNvPr id="4" name="Slide Number Placeholder 3"/>
+          <p:cNvSpPr>
+            <a:spLocks noGrp="1"/>
+          </p:cNvSpPr>
+          <p:nvPr>
+            <p:ph type="sldNum" sz="quarter" idx="5"/>
+          </p:nvPr>
+        </p:nvSpPr>
+        <p:spPr/>
+        <p:txBody>
+          <a:bodyPr/>
+          <a:lstStyle/>
+          <a:p>
+            <a:fld id="{24E9AA13-E3FC-4BB6-B68D-5F0F5803D716}" type="slidenum">
+              <a:rPr lang="en-US" smtClean="0"/>
+              <a:t>12</a:t>
+            </a:fld>
+            <a:endParaRPr lang="en-US"/>
+          </a:p>
+        </p:txBody>
+      </p:sp>
+    </p:spTree>
+    <p:extLst>
+      <p:ext uri="{BB962C8B-B14F-4D97-AF65-F5344CB8AC3E}">
+        <p14:creationId xmlns:p14="http://schemas.microsoft.com/office/powerpoint/2010/main" val="238233514"/>
+      </p:ext>
+    </p:extLst>
+  </p:cSld>
+  <p:clrMapOvr>
+    <a:masterClrMapping/>
+  </p:clrMapOvr>
+</p:notes>
+</file>
+
+<file path=ppt/notesSlides/notesSlide4.xml><?xml version="1.0" encoding="utf-8"?>
+<p:notes xmlns:a="http://schemas.openxmlformats.org/drawingml/2006/main" xmlns:r="http://schemas.openxmlformats.org/officeDocument/2006/relationships" xmlns:p="http://schemas.openxmlformats.org/presentationml/2006/main">
+  <p:cSld>
+    <p:spTree>
+      <p:nvGrpSpPr>
+        <p:cNvPr id="1" name=""/>
+        <p:cNvGrpSpPr/>
+        <p:nvPr/>
+      </p:nvGrpSpPr>
+      <p:grpSpPr>
+        <a:xfrm>
+          <a:off x="0" y="0"/>
+          <a:ext cx="0" cy="0"/>
+          <a:chOff x="0" y="0"/>
+          <a:chExt cx="0" cy="0"/>
+        </a:xfrm>
+      </p:grpSpPr>
+      <p:sp>
+        <p:nvSpPr>
           <p:cNvPr id="52226" name="Slide Image Placeholder 1"/>
           <p:cNvSpPr>
             <a:spLocks noGrp="1" noRot="1" noChangeAspect="1" noTextEdit="1"/>
@@ -1054,7 +1138,7 @@
           <a:p>
             <a:fld id="{5738B90E-0779-4C36-915C-6F05FCD89456}" type="datetime1">
               <a:rPr lang="en-US" smtClean="0"/>
-              <a:t>10/19/20</a:t>
+              <a:t>10/18/21</a:t>
             </a:fld>
             <a:endParaRPr lang="en-US"/>
           </a:p>
@@ -1272,7 +1356,7 @@
           <a:p>
             <a:fld id="{7B9EA29D-D431-42FE-B7B6-AAE4454C77D3}" type="datetime1">
               <a:rPr lang="en-US" smtClean="0"/>
-              <a:t>10/19/20</a:t>
+              <a:t>10/18/21</a:t>
             </a:fld>
             <a:endParaRPr lang="en-US"/>
           </a:p>
@@ -1532,7 +1616,7 @@
           <a:p>
             <a:fld id="{690D8A1E-EA8F-46C1-B891-AE0C00D9C314}" type="datetime1">
               <a:rPr lang="en-US" smtClean="0"/>
-              <a:t>10/19/20</a:t>
+              <a:t>10/18/21</a:t>
             </a:fld>
             <a:endParaRPr lang="en-US"/>
           </a:p>
@@ -1826,7 +1910,7 @@
           <a:p>
             <a:fld id="{D753EFC8-4232-4598-94F6-94C0EBAFC469}" type="datetime1">
               <a:rPr lang="en-US" smtClean="0"/>
-              <a:t>10/19/20</a:t>
+              <a:t>10/18/21</a:t>
             </a:fld>
             <a:endParaRPr lang="en-US"/>
           </a:p>
@@ -2141,7 +2225,7 @@
           <a:p>
             <a:fld id="{F3161074-1C18-4AE7-957D-F18524378C85}" type="datetime1">
               <a:rPr lang="en-US" smtClean="0"/>
-              <a:t>10/19/20</a:t>
+              <a:t>10/18/21</a:t>
             </a:fld>
             <a:endParaRPr lang="en-US"/>
           </a:p>
@@ -2415,7 +2499,7 @@
           <a:p>
             <a:fld id="{69BE256C-8D9A-4404-B47D-41A1AE514425}" type="datetime1">
               <a:rPr lang="en-US" smtClean="0"/>
-              <a:t>10/19/20</a:t>
+              <a:t>10/18/21</a:t>
             </a:fld>
             <a:endParaRPr lang="en-US"/>
           </a:p>
@@ -2849,7 +2933,7 @@
           <a:p>
             <a:fld id="{66CB2154-9035-4012-8189-BAAB61C5A5EE}" type="datetime1">
               <a:rPr lang="en-US" smtClean="0"/>
-              <a:t>10/19/20</a:t>
+              <a:t>10/18/21</a:t>
             </a:fld>
             <a:endParaRPr lang="en-US"/>
           </a:p>
@@ -3023,7 +3107,7 @@
           <a:p>
             <a:fld id="{6700A58B-DD98-43D0-B791-721480A02982}" type="datetime1">
               <a:rPr lang="en-US" smtClean="0"/>
-              <a:t>10/19/20</a:t>
+              <a:t>10/18/21</a:t>
             </a:fld>
             <a:endParaRPr lang="en-US"/>
           </a:p>
@@ -3215,7 +3299,7 @@
           <a:p>
             <a:fld id="{7DB6E382-4F61-4E24-BE1A-377EC83D0E3A}" type="datetime1">
               <a:rPr lang="en-US" smtClean="0"/>
-              <a:t>10/19/20</a:t>
+              <a:t>10/18/21</a:t>
             </a:fld>
             <a:endParaRPr lang="en-US"/>
           </a:p>
@@ -3526,7 +3610,7 @@
           <a:p>
             <a:fld id="{4142EED6-FC16-45B9-B8C4-2BC5DBA88325}" type="datetime1">
               <a:rPr lang="en-US" smtClean="0"/>
-              <a:t>10/19/20</a:t>
+              <a:t>10/18/21</a:t>
             </a:fld>
             <a:endParaRPr lang="en-US"/>
           </a:p>
@@ -3844,7 +3928,7 @@
           <a:p>
             <a:fld id="{DF59512B-4F1D-43D7-8819-2F53FEF69650}" type="datetime1">
               <a:rPr lang="en-US" smtClean="0"/>
-              <a:t>10/19/20</a:t>
+              <a:t>10/18/21</a:t>
             </a:fld>
             <a:endParaRPr lang="en-US"/>
           </a:p>
@@ -4120,7 +4204,7 @@
           <a:p>
             <a:fld id="{08437B94-E2BF-44DC-ADC5-B05FC9934E9D}" type="datetime1">
               <a:rPr lang="en-US" smtClean="0"/>
-              <a:t>10/19/20</a:t>
+              <a:t>10/18/21</a:t>
             </a:fld>
             <a:endParaRPr lang="en-US"/>
           </a:p>
@@ -4587,14 +4671,7 @@
           <a:p>
             <a:r>
               <a:rPr lang="en-US" dirty="0"/>
-              <a:t>Decision Trees &amp; </a:t>
-            </a:r>
-            <a:br>
-              <a:rPr lang="en-US" dirty="0"/>
-            </a:br>
-            <a:r>
-              <a:rPr lang="en-US" dirty="0"/>
-              <a:t>Random Forests</a:t>
+              <a:t>Decision Trees</a:t>
             </a:r>
           </a:p>
         </p:txBody>
@@ -4647,7 +4724,7 @@
           <a:p>
             <a:fld id="{5738B90E-0779-4C36-915C-6F05FCD89456}" type="datetime1">
               <a:rPr lang="en-US" smtClean="0"/>
-              <a:t>10/19/20</a:t>
+              <a:t>10/18/21</a:t>
             </a:fld>
             <a:endParaRPr lang="en-US"/>
           </a:p>
@@ -4763,7 +4840,7 @@
           <a:p>
             <a:fld id="{6700A58B-DD98-43D0-B791-721480A02982}" type="datetime1">
               <a:rPr lang="en-US" smtClean="0"/>
-              <a:t>10/19/20</a:t>
+              <a:t>10/18/21</a:t>
             </a:fld>
             <a:endParaRPr lang="en-US"/>
           </a:p>
@@ -5093,7 +5170,7 @@
           <a:p>
             <a:fld id="{6700A58B-DD98-43D0-B791-721480A02982}" type="datetime1">
               <a:rPr lang="en-US" smtClean="0"/>
-              <a:t>10/19/20</a:t>
+              <a:t>10/18/21</a:t>
             </a:fld>
             <a:endParaRPr lang="en-US"/>
           </a:p>
@@ -5447,7 +5524,7 @@
           <a:p>
             <a:fld id="{6700A58B-DD98-43D0-B791-721480A02982}" type="datetime1">
               <a:rPr lang="en-US" smtClean="0"/>
-              <a:t>10/19/20</a:t>
+              <a:t>10/18/21</a:t>
             </a:fld>
             <a:endParaRPr lang="en-US"/>
           </a:p>
@@ -5476,7 +5553,7 @@
           <a:p>
             <a:r>
               <a:rPr lang="en-US" dirty="0"/>
-              <a:t>Now another view of the data</a:t>
+              <a:t>Now another dimension of the data</a:t>
             </a:r>
           </a:p>
         </p:txBody>
@@ -5674,7 +5751,7 @@
           <p:nvPr/>
         </p:nvPicPr>
         <p:blipFill>
-          <a:blip r:embed="rId2"/>
+          <a:blip r:embed="rId3"/>
           <a:stretch>
             <a:fillRect/>
           </a:stretch>
@@ -5742,7 +5819,7 @@
           <a:p>
             <a:fld id="{6700A58B-DD98-43D0-B791-721480A02982}" type="datetime1">
               <a:rPr lang="en-US" smtClean="0"/>
-              <a:t>10/19/20</a:t>
+              <a:t>10/18/21</a:t>
             </a:fld>
             <a:endParaRPr lang="en-US"/>
           </a:p>
@@ -6037,7 +6114,7 @@
           <a:p>
             <a:fld id="{6700A58B-DD98-43D0-B791-721480A02982}" type="datetime1">
               <a:rPr lang="en-US" smtClean="0"/>
-              <a:t>10/19/20</a:t>
+              <a:t>10/18/21</a:t>
             </a:fld>
             <a:endParaRPr lang="en-US"/>
           </a:p>
@@ -6470,7 +6547,7 @@
           <a:p>
             <a:fld id="{7DB6E382-4F61-4E24-BE1A-377EC83D0E3A}" type="datetime1">
               <a:rPr lang="en-US" smtClean="0"/>
-              <a:t>10/19/20</a:t>
+              <a:t>10/18/21</a:t>
             </a:fld>
             <a:endParaRPr lang="en-US"/>
           </a:p>
@@ -6814,7 +6891,7 @@
           <a:p>
             <a:fld id="{6700A58B-DD98-43D0-B791-721480A02982}" type="datetime1">
               <a:rPr lang="en-US" smtClean="0"/>
-              <a:t>10/19/20</a:t>
+              <a:t>10/18/21</a:t>
             </a:fld>
             <a:endParaRPr lang="en-US"/>
           </a:p>
@@ -7608,7 +7685,7 @@
           <a:p>
             <a:fld id="{6700A58B-DD98-43D0-B791-721480A02982}" type="datetime1">
               <a:rPr lang="en-US" smtClean="0"/>
-              <a:t>10/19/20</a:t>
+              <a:t>10/18/21</a:t>
             </a:fld>
             <a:endParaRPr lang="en-US"/>
           </a:p>
@@ -8649,7 +8726,7 @@
           <a:p>
             <a:fld id="{6700A58B-DD98-43D0-B791-721480A02982}" type="datetime1">
               <a:rPr lang="en-US" smtClean="0"/>
-              <a:t>10/19/20</a:t>
+              <a:t>10/18/21</a:t>
             </a:fld>
             <a:endParaRPr lang="en-US"/>
           </a:p>
@@ -10083,7 +10160,7 @@
           <a:p>
             <a:fld id="{6700A58B-DD98-43D0-B791-721480A02982}" type="datetime1">
               <a:rPr lang="en-US" smtClean="0"/>
-              <a:t>10/19/20</a:t>
+              <a:t>10/18/21</a:t>
             </a:fld>
             <a:endParaRPr lang="en-US"/>
           </a:p>
@@ -10367,7 +10444,7 @@
           <a:p>
             <a:fld id="{6700A58B-DD98-43D0-B791-721480A02982}" type="datetime1">
               <a:rPr lang="en-US" smtClean="0"/>
-              <a:t>10/19/20</a:t>
+              <a:t>10/18/21</a:t>
             </a:fld>
             <a:endParaRPr lang="en-US"/>
           </a:p>
@@ -11478,7 +11555,7 @@
           <a:p>
             <a:fld id="{6700A58B-DD98-43D0-B791-721480A02982}" type="datetime1">
               <a:rPr lang="en-US" smtClean="0"/>
-              <a:t>10/19/20</a:t>
+              <a:t>10/18/21</a:t>
             </a:fld>
             <a:endParaRPr lang="en-US"/>
           </a:p>
@@ -12413,7 +12490,7 @@
           <a:p>
             <a:fld id="{6700A58B-DD98-43D0-B791-721480A02982}" type="datetime1">
               <a:rPr lang="en-US" smtClean="0"/>
-              <a:t>10/19/20</a:t>
+              <a:t>10/18/21</a:t>
             </a:fld>
             <a:endParaRPr lang="en-US"/>
           </a:p>
@@ -12737,7 +12814,7 @@
           <a:p>
             <a:fld id="{6700A58B-DD98-43D0-B791-721480A02982}" type="datetime1">
               <a:rPr lang="en-US" smtClean="0"/>
-              <a:t>10/19/20</a:t>
+              <a:t>10/18/21</a:t>
             </a:fld>
             <a:endParaRPr lang="en-US"/>
           </a:p>
@@ -14022,7 +14099,7 @@
                 <a:tabLst/>
                 <a:defRPr/>
               </a:pPr>
-              <a:t>10/19/20</a:t>
+              <a:t>10/18/21</a:t>
             </a:fld>
             <a:endParaRPr kumimoji="0" lang="en-US" sz="900" b="0" i="0" u="none" strike="noStrike" kern="1200" cap="none" spc="0" normalizeH="0" baseline="0" noProof="0">
               <a:ln>
@@ -15512,7 +15589,7 @@
                 <a:tabLst/>
                 <a:defRPr/>
               </a:pPr>
-              <a:t>10/19/20</a:t>
+              <a:t>10/18/21</a:t>
             </a:fld>
             <a:endParaRPr kumimoji="0" lang="en-US" sz="900" b="0" i="0" u="none" strike="noStrike" kern="1200" cap="none" spc="0" normalizeH="0" baseline="0" noProof="0">
               <a:ln>
@@ -17064,7 +17141,7 @@
                 <a:tabLst/>
                 <a:defRPr/>
               </a:pPr>
-              <a:t>10/19/20</a:t>
+              <a:t>10/18/21</a:t>
             </a:fld>
             <a:endParaRPr kumimoji="0" lang="en-US" sz="900" b="0" i="0" u="none" strike="noStrike" kern="1200" cap="none" spc="0" normalizeH="0" baseline="0" noProof="0">
               <a:ln>
@@ -17717,7 +17794,7 @@
                 <a:tabLst/>
                 <a:defRPr/>
               </a:pPr>
-              <a:t>10/19/20</a:t>
+              <a:t>10/18/21</a:t>
             </a:fld>
             <a:endParaRPr kumimoji="0" lang="en-US" sz="900" b="0" i="0" u="none" strike="noStrike" kern="1200" cap="none" spc="0" normalizeH="0" baseline="0" noProof="0">
               <a:ln>
@@ -18415,7 +18492,7 @@
           <a:p>
             <a:fld id="{9B19E99B-5349-415A-8E56-8E989211A366}" type="datetime1">
               <a:rPr lang="en-US" smtClean="0"/>
-              <a:t>10/19/20</a:t>
+              <a:t>10/18/21</a:t>
             </a:fld>
             <a:endParaRPr lang="en-US"/>
           </a:p>
@@ -18565,7 +18642,7 @@
           <a:p>
             <a:fld id="{6700A58B-DD98-43D0-B791-721480A02982}" type="datetime1">
               <a:rPr lang="en-US" smtClean="0"/>
-              <a:t>10/19/20</a:t>
+              <a:t>10/18/21</a:t>
             </a:fld>
             <a:endParaRPr lang="en-US"/>
           </a:p>
@@ -18812,7 +18889,7 @@
           <a:p>
             <a:fld id="{6700A58B-DD98-43D0-B791-721480A02982}" type="datetime1">
               <a:rPr lang="en-US" smtClean="0"/>
-              <a:t>10/19/20</a:t>
+              <a:t>10/18/21</a:t>
             </a:fld>
             <a:endParaRPr lang="en-US"/>
           </a:p>
@@ -19498,7 +19575,7 @@
           <a:p>
             <a:fld id="{9B19E99B-5349-415A-8E56-8E989211A366}" type="datetime1">
               <a:rPr lang="en-US" smtClean="0"/>
-              <a:t>10/19/20</a:t>
+              <a:t>10/18/21</a:t>
             </a:fld>
             <a:endParaRPr lang="en-US"/>
           </a:p>
@@ -19632,7 +19709,7 @@
           <a:p>
             <a:fld id="{6700A58B-DD98-43D0-B791-721480A02982}" type="datetime1">
               <a:rPr lang="en-US" smtClean="0"/>
-              <a:t>10/19/20</a:t>
+              <a:t>10/18/21</a:t>
             </a:fld>
             <a:endParaRPr lang="en-US"/>
           </a:p>
@@ -20094,7 +20171,7 @@
           <a:p>
             <a:fld id="{6700A58B-DD98-43D0-B791-721480A02982}" type="datetime1">
               <a:rPr lang="en-US" smtClean="0"/>
-              <a:t>10/19/20</a:t>
+              <a:t>10/18/21</a:t>
             </a:fld>
             <a:endParaRPr lang="en-US"/>
           </a:p>
@@ -21541,7 +21618,7 @@
           <a:p>
             <a:fld id="{6700A58B-DD98-43D0-B791-721480A02982}" type="datetime1">
               <a:rPr lang="en-US" smtClean="0"/>
-              <a:t>10/19/20</a:t>
+              <a:t>10/18/21</a:t>
             </a:fld>
             <a:endParaRPr lang="en-US"/>
           </a:p>
@@ -21794,7 +21871,7 @@
           <a:p>
             <a:fld id="{6700A58B-DD98-43D0-B791-721480A02982}" type="datetime1">
               <a:rPr lang="en-US" smtClean="0"/>
-              <a:t>10/19/20</a:t>
+              <a:t>10/18/21</a:t>
             </a:fld>
             <a:endParaRPr lang="en-US"/>
           </a:p>
@@ -21940,7 +22017,7 @@
           <a:p>
             <a:fld id="{6700A58B-DD98-43D0-B791-721480A02982}" type="datetime1">
               <a:rPr lang="en-US" smtClean="0"/>
-              <a:t>10/19/20</a:t>
+              <a:t>10/18/21</a:t>
             </a:fld>
             <a:endParaRPr lang="en-US"/>
           </a:p>
@@ -22007,9 +22084,10 @@
           <a:lstStyle/>
           <a:p>
             <a:r>
-              <a:rPr lang="en-US" dirty="0"/>
-              <a:t>Kwartler CSCI -96</a:t>
-            </a:r>
+              <a:rPr lang="en-US"/>
+              <a:t>Kwartler CSCI S-96</a:t>
+            </a:r>
+            <a:endParaRPr lang="en-US" dirty="0"/>
           </a:p>
         </p:txBody>
       </p:sp>
@@ -22062,8 +22140,8 @@
         </p:nvSpPr>
         <p:spPr>
           <a:xfrm>
-            <a:off x="183481" y="1345532"/>
-            <a:ext cx="5198346" cy="3416320"/>
+            <a:off x="247650" y="1714500"/>
+            <a:ext cx="5440687" cy="3416320"/>
           </a:xfrm>
           <a:prstGeom prst="rect">
             <a:avLst/>
@@ -22071,7 +22149,7 @@
           <a:noFill/>
         </p:spPr>
         <p:txBody>
-          <a:bodyPr wrap="none" rtlCol="0">
+          <a:bodyPr wrap="square" rtlCol="0">
             <a:spAutoFit/>
           </a:bodyPr>
           <a:lstStyle/>
@@ -22144,7 +22222,7 @@
             </a:pPr>
             <a:r>
               <a:rPr lang="en-US" dirty="0"/>
-              <a:t>Linear Regression (continuous)</a:t>
+              <a:t>Regression (continuous predictions)</a:t>
             </a:r>
           </a:p>
           <a:p>
@@ -22154,7 +22232,16 @@
             </a:pPr>
             <a:r>
               <a:rPr lang="en-US" dirty="0"/>
-              <a:t>Logistic Regression (Binary Classification) </a:t>
+              <a:t>Binary Classification (logistic regression) </a:t>
+            </a:r>
+          </a:p>
+          <a:p>
+            <a:endParaRPr lang="en-US" dirty="0"/>
+          </a:p>
+          <a:p>
+            <a:r>
+              <a:rPr lang="en-US" u="sng" dirty="0"/>
+              <a:t>Today</a:t>
             </a:r>
           </a:p>
           <a:p>
@@ -22172,32 +22259,315 @@
               <a:buFont typeface="Arial" panose="020B0604020202020204" pitchFamily="34" charset="0"/>
               <a:buChar char="•"/>
             </a:pPr>
-            <a:endParaRPr lang="en-US" dirty="0"/>
-          </a:p>
-          <a:p>
-            <a:endParaRPr lang="en-US" dirty="0"/>
-          </a:p>
-          <a:p>
-            <a:r>
-              <a:rPr lang="en-US" u="sng" dirty="0"/>
-              <a:t>Today</a:t>
-            </a:r>
-          </a:p>
-          <a:p>
-            <a:pPr marL="285750" indent="-285750">
-              <a:buFont typeface="Arial" panose="020B0604020202020204" pitchFamily="34" charset="0"/>
-              <a:buChar char="•"/>
-            </a:pPr>
             <a:r>
               <a:rPr lang="en-US" dirty="0"/>
-              <a:t>Decision Tree (classification, continuous)  </a:t>
-            </a:r>
-          </a:p>
-        </p:txBody>
-      </p:sp>
-      <p:sp>
-        <p:nvSpPr>
-          <p:cNvPr id="7" name="Rectangle 6"/>
+              <a:t>Decision Trees (continuous &amp; classification – binary or multi</a:t>
+            </a:r>
+          </a:p>
+        </p:txBody>
+      </p:sp>
+      <p:pic>
+        <p:nvPicPr>
+          <p:cNvPr id="31750" name="Picture 6" descr="Related image"/>
+          <p:cNvPicPr>
+            <a:picLocks noChangeAspect="1" noChangeArrowheads="1"/>
+          </p:cNvPicPr>
+          <p:nvPr/>
+        </p:nvPicPr>
+        <p:blipFill>
+          <a:blip r:embed="rId3" cstate="print">
+            <a:extLst>
+              <a:ext uri="{28A0092B-C50C-407E-A947-70E740481C1C}">
+                <a14:useLocalDpi xmlns:a14="http://schemas.microsoft.com/office/drawing/2010/main" val="0"/>
+              </a:ext>
+            </a:extLst>
+          </a:blip>
+          <a:srcRect/>
+          <a:stretch>
+            <a:fillRect/>
+          </a:stretch>
+        </p:blipFill>
+        <p:spPr bwMode="auto">
+          <a:xfrm>
+            <a:off x="3601144" y="1995488"/>
+            <a:ext cx="301466" cy="342900"/>
+          </a:xfrm>
+          <a:prstGeom prst="rect">
+            <a:avLst/>
+          </a:prstGeom>
+          <a:noFill/>
+          <a:extLst>
+            <a:ext uri="{909E8E84-426E-40DD-AFC4-6F175D3DCCD1}">
+              <a14:hiddenFill xmlns:a14="http://schemas.microsoft.com/office/drawing/2010/main">
+                <a:solidFill>
+                  <a:srgbClr val="FFFFFF"/>
+                </a:solidFill>
+              </a14:hiddenFill>
+            </a:ext>
+          </a:extLst>
+        </p:spPr>
+      </p:pic>
+      <p:pic>
+        <p:nvPicPr>
+          <p:cNvPr id="11" name="Picture 6" descr="Related image"/>
+          <p:cNvPicPr>
+            <a:picLocks noChangeAspect="1" noChangeArrowheads="1"/>
+          </p:cNvPicPr>
+          <p:nvPr/>
+        </p:nvPicPr>
+        <p:blipFill>
+          <a:blip r:embed="rId3" cstate="print">
+            <a:extLst>
+              <a:ext uri="{28A0092B-C50C-407E-A947-70E740481C1C}">
+                <a14:useLocalDpi xmlns:a14="http://schemas.microsoft.com/office/drawing/2010/main" val="0"/>
+              </a:ext>
+            </a:extLst>
+          </a:blip>
+          <a:srcRect/>
+          <a:stretch>
+            <a:fillRect/>
+          </a:stretch>
+        </p:blipFill>
+        <p:spPr bwMode="auto">
+          <a:xfrm>
+            <a:off x="4920357" y="2286001"/>
+            <a:ext cx="301466" cy="342900"/>
+          </a:xfrm>
+          <a:prstGeom prst="rect">
+            <a:avLst/>
+          </a:prstGeom>
+          <a:noFill/>
+          <a:extLst>
+            <a:ext uri="{909E8E84-426E-40DD-AFC4-6F175D3DCCD1}">
+              <a14:hiddenFill xmlns:a14="http://schemas.microsoft.com/office/drawing/2010/main">
+                <a:solidFill>
+                  <a:srgbClr val="FFFFFF"/>
+                </a:solidFill>
+              </a14:hiddenFill>
+            </a:ext>
+          </a:extLst>
+        </p:spPr>
+      </p:pic>
+      <p:pic>
+        <p:nvPicPr>
+          <p:cNvPr id="12" name="Picture 6" descr="Related image"/>
+          <p:cNvPicPr>
+            <a:picLocks noChangeAspect="1" noChangeArrowheads="1"/>
+          </p:cNvPicPr>
+          <p:nvPr/>
+        </p:nvPicPr>
+        <p:blipFill>
+          <a:blip r:embed="rId3" cstate="print">
+            <a:extLst>
+              <a:ext uri="{28A0092B-C50C-407E-A947-70E740481C1C}">
+                <a14:useLocalDpi xmlns:a14="http://schemas.microsoft.com/office/drawing/2010/main" val="0"/>
+              </a:ext>
+            </a:extLst>
+          </a:blip>
+          <a:srcRect/>
+          <a:stretch>
+            <a:fillRect/>
+          </a:stretch>
+        </p:blipFill>
+        <p:spPr bwMode="auto">
+          <a:xfrm>
+            <a:off x="4267895" y="2571751"/>
+            <a:ext cx="301466" cy="342900"/>
+          </a:xfrm>
+          <a:prstGeom prst="rect">
+            <a:avLst/>
+          </a:prstGeom>
+          <a:noFill/>
+          <a:extLst>
+            <a:ext uri="{909E8E84-426E-40DD-AFC4-6F175D3DCCD1}">
+              <a14:hiddenFill xmlns:a14="http://schemas.microsoft.com/office/drawing/2010/main">
+                <a:solidFill>
+                  <a:srgbClr val="FFFFFF"/>
+                </a:solidFill>
+              </a14:hiddenFill>
+            </a:ext>
+          </a:extLst>
+        </p:spPr>
+      </p:pic>
+      <p:pic>
+        <p:nvPicPr>
+          <p:cNvPr id="13" name="Picture 6" descr="Related image"/>
+          <p:cNvPicPr>
+            <a:picLocks noChangeAspect="1" noChangeArrowheads="1"/>
+          </p:cNvPicPr>
+          <p:nvPr/>
+        </p:nvPicPr>
+        <p:blipFill>
+          <a:blip r:embed="rId3" cstate="print">
+            <a:extLst>
+              <a:ext uri="{28A0092B-C50C-407E-A947-70E740481C1C}">
+                <a14:useLocalDpi xmlns:a14="http://schemas.microsoft.com/office/drawing/2010/main" val="0"/>
+              </a:ext>
+            </a:extLst>
+          </a:blip>
+          <a:srcRect/>
+          <a:stretch>
+            <a:fillRect/>
+          </a:stretch>
+        </p:blipFill>
+        <p:spPr bwMode="auto">
+          <a:xfrm>
+            <a:off x="3610670" y="2881313"/>
+            <a:ext cx="301466" cy="342900"/>
+          </a:xfrm>
+          <a:prstGeom prst="rect">
+            <a:avLst/>
+          </a:prstGeom>
+          <a:noFill/>
+          <a:extLst>
+            <a:ext uri="{909E8E84-426E-40DD-AFC4-6F175D3DCCD1}">
+              <a14:hiddenFill xmlns:a14="http://schemas.microsoft.com/office/drawing/2010/main">
+                <a:solidFill>
+                  <a:srgbClr val="FFFFFF"/>
+                </a:solidFill>
+              </a14:hiddenFill>
+            </a:ext>
+          </a:extLst>
+        </p:spPr>
+      </p:pic>
+      <p:pic>
+        <p:nvPicPr>
+          <p:cNvPr id="15" name="Picture 6" descr="Related image"/>
+          <p:cNvPicPr>
+            <a:picLocks noChangeAspect="1" noChangeArrowheads="1"/>
+          </p:cNvPicPr>
+          <p:nvPr/>
+        </p:nvPicPr>
+        <p:blipFill>
+          <a:blip r:embed="rId3" cstate="print">
+            <a:extLst>
+              <a:ext uri="{28A0092B-C50C-407E-A947-70E740481C1C}">
+                <a14:useLocalDpi xmlns:a14="http://schemas.microsoft.com/office/drawing/2010/main" val="0"/>
+              </a:ext>
+            </a:extLst>
+          </a:blip>
+          <a:srcRect/>
+          <a:stretch>
+            <a:fillRect/>
+          </a:stretch>
+        </p:blipFill>
+        <p:spPr bwMode="auto">
+          <a:xfrm>
+            <a:off x="3958332" y="3143250"/>
+            <a:ext cx="301466" cy="342900"/>
+          </a:xfrm>
+          <a:prstGeom prst="rect">
+            <a:avLst/>
+          </a:prstGeom>
+          <a:noFill/>
+          <a:extLst>
+            <a:ext uri="{909E8E84-426E-40DD-AFC4-6F175D3DCCD1}">
+              <a14:hiddenFill xmlns:a14="http://schemas.microsoft.com/office/drawing/2010/main">
+                <a:solidFill>
+                  <a:srgbClr val="FFFFFF"/>
+                </a:solidFill>
+              </a14:hiddenFill>
+            </a:ext>
+          </a:extLst>
+        </p:spPr>
+      </p:pic>
+      <p:pic>
+        <p:nvPicPr>
+          <p:cNvPr id="16" name="Picture 6" descr="Related image"/>
+          <p:cNvPicPr>
+            <a:picLocks noChangeAspect="1" noChangeArrowheads="1"/>
+          </p:cNvPicPr>
+          <p:nvPr/>
+        </p:nvPicPr>
+        <p:blipFill>
+          <a:blip r:embed="rId3" cstate="print">
+            <a:extLst>
+              <a:ext uri="{28A0092B-C50C-407E-A947-70E740481C1C}">
+                <a14:useLocalDpi xmlns:a14="http://schemas.microsoft.com/office/drawing/2010/main" val="0"/>
+              </a:ext>
+            </a:extLst>
+          </a:blip>
+          <a:srcRect/>
+          <a:stretch>
+            <a:fillRect/>
+          </a:stretch>
+        </p:blipFill>
+        <p:spPr bwMode="auto">
+          <a:xfrm>
+            <a:off x="5304347" y="4184540"/>
+            <a:ext cx="301466" cy="342900"/>
+          </a:xfrm>
+          <a:prstGeom prst="rect">
+            <a:avLst/>
+          </a:prstGeom>
+          <a:noFill/>
+          <a:extLst>
+            <a:ext uri="{909E8E84-426E-40DD-AFC4-6F175D3DCCD1}">
+              <a14:hiddenFill xmlns:a14="http://schemas.microsoft.com/office/drawing/2010/main">
+                <a:solidFill>
+                  <a:srgbClr val="FFFFFF"/>
+                </a:solidFill>
+              </a14:hiddenFill>
+            </a:ext>
+          </a:extLst>
+        </p:spPr>
+      </p:pic>
+      <p:pic>
+        <p:nvPicPr>
+          <p:cNvPr id="18" name="Picture 6" descr="Related image">
+            <a:extLst>
+              <a:ext uri="{FF2B5EF4-FFF2-40B4-BE49-F238E27FC236}">
+                <a16:creationId xmlns:a16="http://schemas.microsoft.com/office/drawing/2014/main" id="{9F1C59E9-D4C0-8846-A192-D02BACAF62C6}"/>
+              </a:ext>
+            </a:extLst>
+          </p:cNvPr>
+          <p:cNvPicPr>
+            <a:picLocks noChangeAspect="1" noChangeArrowheads="1"/>
+          </p:cNvPicPr>
+          <p:nvPr/>
+        </p:nvPicPr>
+        <p:blipFill>
+          <a:blip r:embed="rId3" cstate="print">
+            <a:extLst>
+              <a:ext uri="{28A0092B-C50C-407E-A947-70E740481C1C}">
+                <a14:useLocalDpi xmlns:a14="http://schemas.microsoft.com/office/drawing/2010/main" val="0"/>
+              </a:ext>
+            </a:extLst>
+          </a:blip>
+          <a:srcRect/>
+          <a:stretch>
+            <a:fillRect/>
+          </a:stretch>
+        </p:blipFill>
+        <p:spPr bwMode="auto">
+          <a:xfrm>
+            <a:off x="4351406" y="3429000"/>
+            <a:ext cx="301466" cy="342900"/>
+          </a:xfrm>
+          <a:prstGeom prst="rect">
+            <a:avLst/>
+          </a:prstGeom>
+          <a:noFill/>
+          <a:extLst>
+            <a:ext uri="{909E8E84-426E-40DD-AFC4-6F175D3DCCD1}">
+              <a14:hiddenFill xmlns:a14="http://schemas.microsoft.com/office/drawing/2010/main">
+                <a:solidFill>
+                  <a:srgbClr val="FFFFFF"/>
+                </a:solidFill>
+              </a14:hiddenFill>
+            </a:ext>
+          </a:extLst>
+        </p:spPr>
+      </p:pic>
+      <p:sp>
+        <p:nvSpPr>
+          <p:cNvPr id="17" name="Rectangle 16">
+            <a:extLst>
+              <a:ext uri="{FF2B5EF4-FFF2-40B4-BE49-F238E27FC236}">
+                <a16:creationId xmlns:a16="http://schemas.microsoft.com/office/drawing/2014/main" id="{436062EE-E7CE-A844-A74B-3993C548F918}"/>
+              </a:ext>
+            </a:extLst>
+          </p:cNvPr>
           <p:cNvSpPr/>
           <p:nvPr/>
         </p:nvSpPr>
@@ -22247,22 +22617,20 @@
             </a:r>
             <a:r>
               <a:rPr lang="en-US" dirty="0"/>
-              <a:t> </a:t>
-            </a:r>
-            <a:r>
-              <a:rPr lang="en-US"/>
-              <a:t>&amp; Reg are </a:t>
-            </a:r>
-            <a:r>
-              <a:rPr lang="en-US" dirty="0"/>
-              <a:t>excellent modeling tools.  Not bad for 6 classes!</a:t>
+              <a:t> &amp; Reg are excellent modeling tools.  Not bad for 6 classes!</a:t>
             </a:r>
           </a:p>
         </p:txBody>
       </p:sp>
       <p:pic>
         <p:nvPicPr>
-          <p:cNvPr id="31750" name="Picture 6" descr="Related image"/>
+          <p:cNvPr id="19" name="Picture 6" descr="Related image">
+            <a:extLst>
+              <a:ext uri="{FF2B5EF4-FFF2-40B4-BE49-F238E27FC236}">
+                <a16:creationId xmlns:a16="http://schemas.microsoft.com/office/drawing/2014/main" id="{7A71CCD3-34B5-684B-B847-0ED91DD07593}"/>
+              </a:ext>
+            </a:extLst>
+          </p:cNvPr>
           <p:cNvPicPr>
             <a:picLocks noChangeAspect="1" noChangeArrowheads="1"/>
           </p:cNvPicPr>
@@ -22283,301 +22651,8 @@
         </p:blipFill>
         <p:spPr bwMode="auto">
           <a:xfrm>
-            <a:off x="3553017" y="1690649"/>
-            <a:ext cx="216878" cy="246686"/>
-          </a:xfrm>
-          <a:prstGeom prst="rect">
-            <a:avLst/>
-          </a:prstGeom>
-          <a:noFill/>
-          <a:extLst>
-            <a:ext uri="{909E8E84-426E-40DD-AFC4-6F175D3DCCD1}">
-              <a14:hiddenFill xmlns:a14="http://schemas.microsoft.com/office/drawing/2010/main">
-                <a:solidFill>
-                  <a:srgbClr val="FFFFFF"/>
-                </a:solidFill>
-              </a14:hiddenFill>
-            </a:ext>
-          </a:extLst>
-        </p:spPr>
-      </p:pic>
-      <p:pic>
-        <p:nvPicPr>
-          <p:cNvPr id="18" name="Picture 6" descr="Related image"/>
-          <p:cNvPicPr>
-            <a:picLocks noChangeAspect="1" noChangeArrowheads="1"/>
-          </p:cNvPicPr>
-          <p:nvPr/>
-        </p:nvPicPr>
-        <p:blipFill>
-          <a:blip r:embed="rId3" cstate="print">
-            <a:extLst>
-              <a:ext uri="{28A0092B-C50C-407E-A947-70E740481C1C}">
-                <a14:useLocalDpi xmlns:a14="http://schemas.microsoft.com/office/drawing/2010/main" val="0"/>
-              </a:ext>
-            </a:extLst>
-          </a:blip>
-          <a:srcRect/>
-          <a:stretch>
-            <a:fillRect/>
-          </a:stretch>
-        </p:blipFill>
-        <p:spPr bwMode="auto">
-          <a:xfrm>
-            <a:off x="4892533" y="2019512"/>
-            <a:ext cx="216878" cy="246686"/>
-          </a:xfrm>
-          <a:prstGeom prst="rect">
-            <a:avLst/>
-          </a:prstGeom>
-          <a:noFill/>
-          <a:extLst>
-            <a:ext uri="{909E8E84-426E-40DD-AFC4-6F175D3DCCD1}">
-              <a14:hiddenFill xmlns:a14="http://schemas.microsoft.com/office/drawing/2010/main">
-                <a:solidFill>
-                  <a:srgbClr val="FFFFFF"/>
-                </a:solidFill>
-              </a14:hiddenFill>
-            </a:ext>
-          </a:extLst>
-        </p:spPr>
-      </p:pic>
-      <p:pic>
-        <p:nvPicPr>
-          <p:cNvPr id="19" name="Picture 6" descr="Related image"/>
-          <p:cNvPicPr>
-            <a:picLocks noChangeAspect="1" noChangeArrowheads="1"/>
-          </p:cNvPicPr>
-          <p:nvPr/>
-        </p:nvPicPr>
-        <p:blipFill>
-          <a:blip r:embed="rId3" cstate="print">
-            <a:extLst>
-              <a:ext uri="{28A0092B-C50C-407E-A947-70E740481C1C}">
-                <a14:useLocalDpi xmlns:a14="http://schemas.microsoft.com/office/drawing/2010/main" val="0"/>
-              </a:ext>
-            </a:extLst>
-          </a:blip>
-          <a:srcRect/>
-          <a:stretch>
-            <a:fillRect/>
-          </a:stretch>
-        </p:blipFill>
-        <p:spPr bwMode="auto">
-          <a:xfrm>
-            <a:off x="4234806" y="2276186"/>
-            <a:ext cx="216878" cy="246686"/>
-          </a:xfrm>
-          <a:prstGeom prst="rect">
-            <a:avLst/>
-          </a:prstGeom>
-          <a:noFill/>
-          <a:extLst>
-            <a:ext uri="{909E8E84-426E-40DD-AFC4-6F175D3DCCD1}">
-              <a14:hiddenFill xmlns:a14="http://schemas.microsoft.com/office/drawing/2010/main">
-                <a:solidFill>
-                  <a:srgbClr val="FFFFFF"/>
-                </a:solidFill>
-              </a14:hiddenFill>
-            </a:ext>
-          </a:extLst>
-        </p:spPr>
-      </p:pic>
-      <p:pic>
-        <p:nvPicPr>
-          <p:cNvPr id="20" name="Picture 6" descr="Related image"/>
-          <p:cNvPicPr>
-            <a:picLocks noChangeAspect="1" noChangeArrowheads="1"/>
-          </p:cNvPicPr>
-          <p:nvPr/>
-        </p:nvPicPr>
-        <p:blipFill>
-          <a:blip r:embed="rId3" cstate="print">
-            <a:extLst>
-              <a:ext uri="{28A0092B-C50C-407E-A947-70E740481C1C}">
-                <a14:useLocalDpi xmlns:a14="http://schemas.microsoft.com/office/drawing/2010/main" val="0"/>
-              </a:ext>
-            </a:extLst>
-          </a:blip>
-          <a:srcRect/>
-          <a:stretch>
-            <a:fillRect/>
-          </a:stretch>
-        </p:blipFill>
-        <p:spPr bwMode="auto">
-          <a:xfrm>
-            <a:off x="3528954" y="2548902"/>
-            <a:ext cx="216878" cy="246686"/>
-          </a:xfrm>
-          <a:prstGeom prst="rect">
-            <a:avLst/>
-          </a:prstGeom>
-          <a:noFill/>
-          <a:extLst>
-            <a:ext uri="{909E8E84-426E-40DD-AFC4-6F175D3DCCD1}">
-              <a14:hiddenFill xmlns:a14="http://schemas.microsoft.com/office/drawing/2010/main">
-                <a:solidFill>
-                  <a:srgbClr val="FFFFFF"/>
-                </a:solidFill>
-              </a14:hiddenFill>
-            </a:ext>
-          </a:extLst>
-        </p:spPr>
-      </p:pic>
-      <p:pic>
-        <p:nvPicPr>
-          <p:cNvPr id="21" name="Picture 6" descr="Related image"/>
-          <p:cNvPicPr>
-            <a:picLocks noChangeAspect="1" noChangeArrowheads="1"/>
-          </p:cNvPicPr>
-          <p:nvPr/>
-        </p:nvPicPr>
-        <p:blipFill>
-          <a:blip r:embed="rId3" cstate="print">
-            <a:extLst>
-              <a:ext uri="{28A0092B-C50C-407E-A947-70E740481C1C}">
-                <a14:useLocalDpi xmlns:a14="http://schemas.microsoft.com/office/drawing/2010/main" val="0"/>
-              </a:ext>
-            </a:extLst>
-          </a:blip>
-          <a:srcRect/>
-          <a:stretch>
-            <a:fillRect/>
-          </a:stretch>
-        </p:blipFill>
-        <p:spPr bwMode="auto">
-          <a:xfrm>
-            <a:off x="3480828" y="2821617"/>
-            <a:ext cx="216878" cy="246686"/>
-          </a:xfrm>
-          <a:prstGeom prst="rect">
-            <a:avLst/>
-          </a:prstGeom>
-          <a:noFill/>
-          <a:extLst>
-            <a:ext uri="{909E8E84-426E-40DD-AFC4-6F175D3DCCD1}">
-              <a14:hiddenFill xmlns:a14="http://schemas.microsoft.com/office/drawing/2010/main">
-                <a:solidFill>
-                  <a:srgbClr val="FFFFFF"/>
-                </a:solidFill>
-              </a14:hiddenFill>
-            </a:ext>
-          </a:extLst>
-        </p:spPr>
-      </p:pic>
-      <p:pic>
-        <p:nvPicPr>
-          <p:cNvPr id="22" name="Picture 6" descr="Related image"/>
-          <p:cNvPicPr>
-            <a:picLocks noChangeAspect="1" noChangeArrowheads="1"/>
-          </p:cNvPicPr>
-          <p:nvPr/>
-        </p:nvPicPr>
-        <p:blipFill>
-          <a:blip r:embed="rId3" cstate="print">
-            <a:extLst>
-              <a:ext uri="{28A0092B-C50C-407E-A947-70E740481C1C}">
-                <a14:useLocalDpi xmlns:a14="http://schemas.microsoft.com/office/drawing/2010/main" val="0"/>
-              </a:ext>
-            </a:extLst>
-          </a:blip>
-          <a:srcRect/>
-          <a:stretch>
-            <a:fillRect/>
-          </a:stretch>
-        </p:blipFill>
-        <p:spPr bwMode="auto">
-          <a:xfrm>
-            <a:off x="4363143" y="4371339"/>
-            <a:ext cx="216878" cy="246686"/>
-          </a:xfrm>
-          <a:prstGeom prst="rect">
-            <a:avLst/>
-          </a:prstGeom>
-          <a:noFill/>
-          <a:extLst>
-            <a:ext uri="{909E8E84-426E-40DD-AFC4-6F175D3DCCD1}">
-              <a14:hiddenFill xmlns:a14="http://schemas.microsoft.com/office/drawing/2010/main">
-                <a:solidFill>
-                  <a:srgbClr val="FFFFFF"/>
-                </a:solidFill>
-              </a14:hiddenFill>
-            </a:ext>
-          </a:extLst>
-        </p:spPr>
-      </p:pic>
-      <p:pic>
-        <p:nvPicPr>
-          <p:cNvPr id="23" name="Picture 6" descr="Related image"/>
-          <p:cNvPicPr>
-            <a:picLocks noChangeAspect="1" noChangeArrowheads="1"/>
-          </p:cNvPicPr>
-          <p:nvPr/>
-        </p:nvPicPr>
-        <p:blipFill>
-          <a:blip r:embed="rId3" cstate="print">
-            <a:extLst>
-              <a:ext uri="{28A0092B-C50C-407E-A947-70E740481C1C}">
-                <a14:useLocalDpi xmlns:a14="http://schemas.microsoft.com/office/drawing/2010/main" val="0"/>
-              </a:ext>
-            </a:extLst>
-          </a:blip>
-          <a:srcRect/>
-          <a:stretch>
-            <a:fillRect/>
-          </a:stretch>
-        </p:blipFill>
-        <p:spPr bwMode="auto">
-          <a:xfrm>
-            <a:off x="5245459" y="3367049"/>
-            <a:ext cx="216878" cy="246686"/>
-          </a:xfrm>
-          <a:prstGeom prst="rect">
-            <a:avLst/>
-          </a:prstGeom>
-          <a:noFill/>
-          <a:extLst>
-            <a:ext uri="{909E8E84-426E-40DD-AFC4-6F175D3DCCD1}">
-              <a14:hiddenFill xmlns:a14="http://schemas.microsoft.com/office/drawing/2010/main">
-                <a:solidFill>
-                  <a:srgbClr val="FFFFFF"/>
-                </a:solidFill>
-              </a14:hiddenFill>
-            </a:ext>
-          </a:extLst>
-        </p:spPr>
-      </p:pic>
-      <p:pic>
-        <p:nvPicPr>
-          <p:cNvPr id="17" name="Picture 6" descr="Related image">
-            <a:extLst>
-              <a:ext uri="{FF2B5EF4-FFF2-40B4-BE49-F238E27FC236}">
-                <a16:creationId xmlns:a16="http://schemas.microsoft.com/office/drawing/2014/main" id="{7D228D82-A444-904E-9EE0-9136CC576AC5}"/>
-              </a:ext>
-            </a:extLst>
-          </p:cNvPr>
-          <p:cNvPicPr>
-            <a:picLocks noChangeAspect="1" noChangeArrowheads="1"/>
-          </p:cNvPicPr>
-          <p:nvPr/>
-        </p:nvPicPr>
-        <p:blipFill>
-          <a:blip r:embed="rId3" cstate="print">
-            <a:extLst>
-              <a:ext uri="{28A0092B-C50C-407E-A947-70E740481C1C}">
-                <a14:useLocalDpi xmlns:a14="http://schemas.microsoft.com/office/drawing/2010/main" val="0"/>
-              </a:ext>
-            </a:extLst>
-          </a:blip>
-          <a:srcRect/>
-          <a:stretch>
-            <a:fillRect/>
-          </a:stretch>
-        </p:blipFill>
-        <p:spPr bwMode="auto">
-          <a:xfrm>
-            <a:off x="4373100" y="3093780"/>
-            <a:ext cx="216878" cy="246686"/>
+            <a:off x="1355884" y="4774407"/>
+            <a:ext cx="301466" cy="342900"/>
           </a:xfrm>
           <a:prstGeom prst="rect">
             <a:avLst/>
@@ -22597,7 +22672,7 @@
     </p:spTree>
     <p:extLst>
       <p:ext uri="{BB962C8B-B14F-4D97-AF65-F5344CB8AC3E}">
-        <p14:creationId xmlns:p14="http://schemas.microsoft.com/office/powerpoint/2010/main" val="4100887251"/>
+        <p14:creationId xmlns:p14="http://schemas.microsoft.com/office/powerpoint/2010/main" val="1352556699"/>
       </p:ext>
     </p:extLst>
   </p:cSld>
@@ -22647,7 +22722,7 @@
           <a:p>
             <a:fld id="{6700A58B-DD98-43D0-B791-721480A02982}" type="datetime1">
               <a:rPr lang="en-US" smtClean="0"/>
-              <a:t>10/19/20</a:t>
+              <a:t>10/18/21</a:t>
             </a:fld>
             <a:endParaRPr lang="en-US"/>
           </a:p>
@@ -22968,7 +23043,7 @@
           <a:p>
             <a:fld id="{9B19E99B-5349-415A-8E56-8E989211A366}" type="datetime1">
               <a:rPr lang="en-US" smtClean="0"/>
-              <a:t>10/19/20</a:t>
+              <a:t>10/18/21</a:t>
             </a:fld>
             <a:endParaRPr lang="en-US"/>
           </a:p>
@@ -23088,7 +23163,7 @@
           <a:p>
             <a:fld id="{6700A58B-DD98-43D0-B791-721480A02982}" type="datetime1">
               <a:rPr lang="en-US" smtClean="0"/>
-              <a:t>10/19/20</a:t>
+              <a:t>10/18/21</a:t>
             </a:fld>
             <a:endParaRPr lang="en-US"/>
           </a:p>
@@ -23321,7 +23396,7 @@
           <a:p>
             <a:fld id="{6700A58B-DD98-43D0-B791-721480A02982}" type="datetime1">
               <a:rPr lang="en-US" smtClean="0"/>
-              <a:t>10/19/20</a:t>
+              <a:t>10/18/21</a:t>
             </a:fld>
             <a:endParaRPr lang="en-US"/>
           </a:p>
@@ -23534,7 +23609,7 @@
           <a:p>
             <a:fld id="{6700A58B-DD98-43D0-B791-721480A02982}" type="datetime1">
               <a:rPr lang="en-US" smtClean="0"/>
-              <a:t>10/19/20</a:t>
+              <a:t>10/18/21</a:t>
             </a:fld>
             <a:endParaRPr lang="en-US"/>
           </a:p>
@@ -23979,7 +24054,7 @@
           <a:p>
             <a:fld id="{9B19E99B-5349-415A-8E56-8E989211A366}" type="datetime1">
               <a:rPr lang="en-US" smtClean="0"/>
-              <a:t>10/19/20</a:t>
+              <a:t>10/18/21</a:t>
             </a:fld>
             <a:endParaRPr lang="en-US"/>
           </a:p>

--- a/Lessons/F_KNN_Decision_Tree/F_Decision Trees.pptx
+++ b/Lessons/F_KNN_Decision_Tree/F_Decision Trees.pptx
@@ -244,7 +244,7 @@
           <a:p>
             <a:fld id="{B0C0A60C-850A-4EA4-9C14-A8FE98B94505}" type="datetimeFigureOut">
               <a:rPr lang="en-US" smtClean="0"/>
-              <a:t>10/18/21</a:t>
+              <a:t>3/7/22</a:t>
             </a:fld>
             <a:endParaRPr lang="en-US"/>
           </a:p>
@@ -1138,7 +1138,7 @@
           <a:p>
             <a:fld id="{5738B90E-0779-4C36-915C-6F05FCD89456}" type="datetime1">
               <a:rPr lang="en-US" smtClean="0"/>
-              <a:t>10/18/21</a:t>
+              <a:t>3/7/22</a:t>
             </a:fld>
             <a:endParaRPr lang="en-US"/>
           </a:p>
@@ -1356,7 +1356,7 @@
           <a:p>
             <a:fld id="{7B9EA29D-D431-42FE-B7B6-AAE4454C77D3}" type="datetime1">
               <a:rPr lang="en-US" smtClean="0"/>
-              <a:t>10/18/21</a:t>
+              <a:t>3/7/22</a:t>
             </a:fld>
             <a:endParaRPr lang="en-US"/>
           </a:p>
@@ -1616,7 +1616,7 @@
           <a:p>
             <a:fld id="{690D8A1E-EA8F-46C1-B891-AE0C00D9C314}" type="datetime1">
               <a:rPr lang="en-US" smtClean="0"/>
-              <a:t>10/18/21</a:t>
+              <a:t>3/7/22</a:t>
             </a:fld>
             <a:endParaRPr lang="en-US"/>
           </a:p>
@@ -1910,7 +1910,7 @@
           <a:p>
             <a:fld id="{D753EFC8-4232-4598-94F6-94C0EBAFC469}" type="datetime1">
               <a:rPr lang="en-US" smtClean="0"/>
-              <a:t>10/18/21</a:t>
+              <a:t>3/7/22</a:t>
             </a:fld>
             <a:endParaRPr lang="en-US"/>
           </a:p>
@@ -2225,7 +2225,7 @@
           <a:p>
             <a:fld id="{F3161074-1C18-4AE7-957D-F18524378C85}" type="datetime1">
               <a:rPr lang="en-US" smtClean="0"/>
-              <a:t>10/18/21</a:t>
+              <a:t>3/7/22</a:t>
             </a:fld>
             <a:endParaRPr lang="en-US"/>
           </a:p>
@@ -2499,7 +2499,7 @@
           <a:p>
             <a:fld id="{69BE256C-8D9A-4404-B47D-41A1AE514425}" type="datetime1">
               <a:rPr lang="en-US" smtClean="0"/>
-              <a:t>10/18/21</a:t>
+              <a:t>3/7/22</a:t>
             </a:fld>
             <a:endParaRPr lang="en-US"/>
           </a:p>
@@ -2933,7 +2933,7 @@
           <a:p>
             <a:fld id="{66CB2154-9035-4012-8189-BAAB61C5A5EE}" type="datetime1">
               <a:rPr lang="en-US" smtClean="0"/>
-              <a:t>10/18/21</a:t>
+              <a:t>3/7/22</a:t>
             </a:fld>
             <a:endParaRPr lang="en-US"/>
           </a:p>
@@ -3107,7 +3107,7 @@
           <a:p>
             <a:fld id="{6700A58B-DD98-43D0-B791-721480A02982}" type="datetime1">
               <a:rPr lang="en-US" smtClean="0"/>
-              <a:t>10/18/21</a:t>
+              <a:t>3/7/22</a:t>
             </a:fld>
             <a:endParaRPr lang="en-US"/>
           </a:p>
@@ -3299,7 +3299,7 @@
           <a:p>
             <a:fld id="{7DB6E382-4F61-4E24-BE1A-377EC83D0E3A}" type="datetime1">
               <a:rPr lang="en-US" smtClean="0"/>
-              <a:t>10/18/21</a:t>
+              <a:t>3/7/22</a:t>
             </a:fld>
             <a:endParaRPr lang="en-US"/>
           </a:p>
@@ -3610,7 +3610,7 @@
           <a:p>
             <a:fld id="{4142EED6-FC16-45B9-B8C4-2BC5DBA88325}" type="datetime1">
               <a:rPr lang="en-US" smtClean="0"/>
-              <a:t>10/18/21</a:t>
+              <a:t>3/7/22</a:t>
             </a:fld>
             <a:endParaRPr lang="en-US"/>
           </a:p>
@@ -3928,7 +3928,7 @@
           <a:p>
             <a:fld id="{DF59512B-4F1D-43D7-8819-2F53FEF69650}" type="datetime1">
               <a:rPr lang="en-US" smtClean="0"/>
-              <a:t>10/18/21</a:t>
+              <a:t>3/7/22</a:t>
             </a:fld>
             <a:endParaRPr lang="en-US"/>
           </a:p>
@@ -4204,7 +4204,7 @@
           <a:p>
             <a:fld id="{08437B94-E2BF-44DC-ADC5-B05FC9934E9D}" type="datetime1">
               <a:rPr lang="en-US" smtClean="0"/>
-              <a:t>10/18/21</a:t>
+              <a:t>3/7/22</a:t>
             </a:fld>
             <a:endParaRPr lang="en-US"/>
           </a:p>
@@ -4724,7 +4724,7 @@
           <a:p>
             <a:fld id="{5738B90E-0779-4C36-915C-6F05FCD89456}" type="datetime1">
               <a:rPr lang="en-US" smtClean="0"/>
-              <a:t>10/18/21</a:t>
+              <a:t>3/7/22</a:t>
             </a:fld>
             <a:endParaRPr lang="en-US"/>
           </a:p>
@@ -4840,7 +4840,7 @@
           <a:p>
             <a:fld id="{6700A58B-DD98-43D0-B791-721480A02982}" type="datetime1">
               <a:rPr lang="en-US" smtClean="0"/>
-              <a:t>10/18/21</a:t>
+              <a:t>3/7/22</a:t>
             </a:fld>
             <a:endParaRPr lang="en-US"/>
           </a:p>
@@ -5170,7 +5170,7 @@
           <a:p>
             <a:fld id="{6700A58B-DD98-43D0-B791-721480A02982}" type="datetime1">
               <a:rPr lang="en-US" smtClean="0"/>
-              <a:t>10/18/21</a:t>
+              <a:t>3/7/22</a:t>
             </a:fld>
             <a:endParaRPr lang="en-US"/>
           </a:p>
@@ -5524,7 +5524,7 @@
           <a:p>
             <a:fld id="{6700A58B-DD98-43D0-B791-721480A02982}" type="datetime1">
               <a:rPr lang="en-US" smtClean="0"/>
-              <a:t>10/18/21</a:t>
+              <a:t>3/7/22</a:t>
             </a:fld>
             <a:endParaRPr lang="en-US"/>
           </a:p>
@@ -5819,7 +5819,7 @@
           <a:p>
             <a:fld id="{6700A58B-DD98-43D0-B791-721480A02982}" type="datetime1">
               <a:rPr lang="en-US" smtClean="0"/>
-              <a:t>10/18/21</a:t>
+              <a:t>3/7/22</a:t>
             </a:fld>
             <a:endParaRPr lang="en-US"/>
           </a:p>
@@ -6114,7 +6114,7 @@
           <a:p>
             <a:fld id="{6700A58B-DD98-43D0-B791-721480A02982}" type="datetime1">
               <a:rPr lang="en-US" smtClean="0"/>
-              <a:t>10/18/21</a:t>
+              <a:t>3/7/22</a:t>
             </a:fld>
             <a:endParaRPr lang="en-US"/>
           </a:p>
@@ -6547,7 +6547,7 @@
           <a:p>
             <a:fld id="{7DB6E382-4F61-4E24-BE1A-377EC83D0E3A}" type="datetime1">
               <a:rPr lang="en-US" smtClean="0"/>
-              <a:t>10/18/21</a:t>
+              <a:t>3/7/22</a:t>
             </a:fld>
             <a:endParaRPr lang="en-US"/>
           </a:p>
@@ -6891,7 +6891,7 @@
           <a:p>
             <a:fld id="{6700A58B-DD98-43D0-B791-721480A02982}" type="datetime1">
               <a:rPr lang="en-US" smtClean="0"/>
-              <a:t>10/18/21</a:t>
+              <a:t>3/7/22</a:t>
             </a:fld>
             <a:endParaRPr lang="en-US"/>
           </a:p>
@@ -7685,7 +7685,7 @@
           <a:p>
             <a:fld id="{6700A58B-DD98-43D0-B791-721480A02982}" type="datetime1">
               <a:rPr lang="en-US" smtClean="0"/>
-              <a:t>10/18/21</a:t>
+              <a:t>3/7/22</a:t>
             </a:fld>
             <a:endParaRPr lang="en-US"/>
           </a:p>
@@ -8726,7 +8726,7 @@
           <a:p>
             <a:fld id="{6700A58B-DD98-43D0-B791-721480A02982}" type="datetime1">
               <a:rPr lang="en-US" smtClean="0"/>
-              <a:t>10/18/21</a:t>
+              <a:t>3/7/22</a:t>
             </a:fld>
             <a:endParaRPr lang="en-US"/>
           </a:p>
@@ -10160,7 +10160,7 @@
           <a:p>
             <a:fld id="{6700A58B-DD98-43D0-B791-721480A02982}" type="datetime1">
               <a:rPr lang="en-US" smtClean="0"/>
-              <a:t>10/18/21</a:t>
+              <a:t>3/7/22</a:t>
             </a:fld>
             <a:endParaRPr lang="en-US"/>
           </a:p>
@@ -10444,7 +10444,7 @@
           <a:p>
             <a:fld id="{6700A58B-DD98-43D0-B791-721480A02982}" type="datetime1">
               <a:rPr lang="en-US" smtClean="0"/>
-              <a:t>10/18/21</a:t>
+              <a:t>3/7/22</a:t>
             </a:fld>
             <a:endParaRPr lang="en-US"/>
           </a:p>
@@ -11555,7 +11555,7 @@
           <a:p>
             <a:fld id="{6700A58B-DD98-43D0-B791-721480A02982}" type="datetime1">
               <a:rPr lang="en-US" smtClean="0"/>
-              <a:t>10/18/21</a:t>
+              <a:t>3/7/22</a:t>
             </a:fld>
             <a:endParaRPr lang="en-US"/>
           </a:p>
@@ -12490,7 +12490,7 @@
           <a:p>
             <a:fld id="{6700A58B-DD98-43D0-B791-721480A02982}" type="datetime1">
               <a:rPr lang="en-US" smtClean="0"/>
-              <a:t>10/18/21</a:t>
+              <a:t>3/7/22</a:t>
             </a:fld>
             <a:endParaRPr lang="en-US"/>
           </a:p>
@@ -12814,7 +12814,7 @@
           <a:p>
             <a:fld id="{6700A58B-DD98-43D0-B791-721480A02982}" type="datetime1">
               <a:rPr lang="en-US" smtClean="0"/>
-              <a:t>10/18/21</a:t>
+              <a:t>3/7/22</a:t>
             </a:fld>
             <a:endParaRPr lang="en-US"/>
           </a:p>
@@ -14099,7 +14099,7 @@
                 <a:tabLst/>
                 <a:defRPr/>
               </a:pPr>
-              <a:t>10/18/21</a:t>
+              <a:t>3/7/22</a:t>
             </a:fld>
             <a:endParaRPr kumimoji="0" lang="en-US" sz="900" b="0" i="0" u="none" strike="noStrike" kern="1200" cap="none" spc="0" normalizeH="0" baseline="0" noProof="0">
               <a:ln>
@@ -15589,7 +15589,7 @@
                 <a:tabLst/>
                 <a:defRPr/>
               </a:pPr>
-              <a:t>10/18/21</a:t>
+              <a:t>3/7/22</a:t>
             </a:fld>
             <a:endParaRPr kumimoji="0" lang="en-US" sz="900" b="0" i="0" u="none" strike="noStrike" kern="1200" cap="none" spc="0" normalizeH="0" baseline="0" noProof="0">
               <a:ln>
@@ -17141,7 +17141,7 @@
                 <a:tabLst/>
                 <a:defRPr/>
               </a:pPr>
-              <a:t>10/18/21</a:t>
+              <a:t>3/7/22</a:t>
             </a:fld>
             <a:endParaRPr kumimoji="0" lang="en-US" sz="900" b="0" i="0" u="none" strike="noStrike" kern="1200" cap="none" spc="0" normalizeH="0" baseline="0" noProof="0">
               <a:ln>
@@ -17794,7 +17794,7 @@
                 <a:tabLst/>
                 <a:defRPr/>
               </a:pPr>
-              <a:t>10/18/21</a:t>
+              <a:t>3/7/22</a:t>
             </a:fld>
             <a:endParaRPr kumimoji="0" lang="en-US" sz="900" b="0" i="0" u="none" strike="noStrike" kern="1200" cap="none" spc="0" normalizeH="0" baseline="0" noProof="0">
               <a:ln>
@@ -18429,7 +18429,7 @@
             <a:pPr eaLnBrk="1" hangingPunct="1"/>
             <a:r>
               <a:rPr lang="en-US" altLang="en-US" dirty="0"/>
-              <a:t>Try all other split values within the duration vector</a:t>
+              <a:t>Try all other split values within the duration vector (column)</a:t>
             </a:r>
           </a:p>
           <a:p>
@@ -18492,7 +18492,7 @@
           <a:p>
             <a:fld id="{9B19E99B-5349-415A-8E56-8E989211A366}" type="datetime1">
               <a:rPr lang="en-US" smtClean="0"/>
-              <a:t>10/18/21</a:t>
+              <a:t>3/7/22</a:t>
             </a:fld>
             <a:endParaRPr lang="en-US"/>
           </a:p>
@@ -18642,7 +18642,7 @@
           <a:p>
             <a:fld id="{6700A58B-DD98-43D0-B791-721480A02982}" type="datetime1">
               <a:rPr lang="en-US" smtClean="0"/>
-              <a:t>10/18/21</a:t>
+              <a:t>3/7/22</a:t>
             </a:fld>
             <a:endParaRPr lang="en-US"/>
           </a:p>
@@ -18889,7 +18889,7 @@
           <a:p>
             <a:fld id="{6700A58B-DD98-43D0-B791-721480A02982}" type="datetime1">
               <a:rPr lang="en-US" smtClean="0"/>
-              <a:t>10/18/21</a:t>
+              <a:t>3/7/22</a:t>
             </a:fld>
             <a:endParaRPr lang="en-US"/>
           </a:p>
@@ -19575,7 +19575,7 @@
           <a:p>
             <a:fld id="{9B19E99B-5349-415A-8E56-8E989211A366}" type="datetime1">
               <a:rPr lang="en-US" smtClean="0"/>
-              <a:t>10/18/21</a:t>
+              <a:t>3/7/22</a:t>
             </a:fld>
             <a:endParaRPr lang="en-US"/>
           </a:p>
@@ -19709,7 +19709,7 @@
           <a:p>
             <a:fld id="{6700A58B-DD98-43D0-B791-721480A02982}" type="datetime1">
               <a:rPr lang="en-US" smtClean="0"/>
-              <a:t>10/18/21</a:t>
+              <a:t>3/7/22</a:t>
             </a:fld>
             <a:endParaRPr lang="en-US"/>
           </a:p>
@@ -20171,7 +20171,7 @@
           <a:p>
             <a:fld id="{6700A58B-DD98-43D0-B791-721480A02982}" type="datetime1">
               <a:rPr lang="en-US" smtClean="0"/>
-              <a:t>10/18/21</a:t>
+              <a:t>3/7/22</a:t>
             </a:fld>
             <a:endParaRPr lang="en-US"/>
           </a:p>
@@ -21618,7 +21618,7 @@
           <a:p>
             <a:fld id="{6700A58B-DD98-43D0-B791-721480A02982}" type="datetime1">
               <a:rPr lang="en-US" smtClean="0"/>
-              <a:t>10/18/21</a:t>
+              <a:t>3/7/22</a:t>
             </a:fld>
             <a:endParaRPr lang="en-US"/>
           </a:p>
@@ -21871,7 +21871,7 @@
           <a:p>
             <a:fld id="{6700A58B-DD98-43D0-B791-721480A02982}" type="datetime1">
               <a:rPr lang="en-US" smtClean="0"/>
-              <a:t>10/18/21</a:t>
+              <a:t>3/7/22</a:t>
             </a:fld>
             <a:endParaRPr lang="en-US"/>
           </a:p>
@@ -22017,7 +22017,7 @@
           <a:p>
             <a:fld id="{6700A58B-DD98-43D0-B791-721480A02982}" type="datetime1">
               <a:rPr lang="en-US" smtClean="0"/>
-              <a:t>10/18/21</a:t>
+              <a:t>3/7/22</a:t>
             </a:fld>
             <a:endParaRPr lang="en-US"/>
           </a:p>
@@ -22722,7 +22722,7 @@
           <a:p>
             <a:fld id="{6700A58B-DD98-43D0-B791-721480A02982}" type="datetime1">
               <a:rPr lang="en-US" smtClean="0"/>
-              <a:t>10/18/21</a:t>
+              <a:t>3/7/22</a:t>
             </a:fld>
             <a:endParaRPr lang="en-US"/>
           </a:p>
@@ -23043,7 +23043,7 @@
           <a:p>
             <a:fld id="{9B19E99B-5349-415A-8E56-8E989211A366}" type="datetime1">
               <a:rPr lang="en-US" smtClean="0"/>
-              <a:t>10/18/21</a:t>
+              <a:t>3/7/22</a:t>
             </a:fld>
             <a:endParaRPr lang="en-US"/>
           </a:p>
@@ -23163,7 +23163,7 @@
           <a:p>
             <a:fld id="{6700A58B-DD98-43D0-B791-721480A02982}" type="datetime1">
               <a:rPr lang="en-US" smtClean="0"/>
-              <a:t>10/18/21</a:t>
+              <a:t>3/7/22</a:t>
             </a:fld>
             <a:endParaRPr lang="en-US"/>
           </a:p>
@@ -23396,7 +23396,7 @@
           <a:p>
             <a:fld id="{6700A58B-DD98-43D0-B791-721480A02982}" type="datetime1">
               <a:rPr lang="en-US" smtClean="0"/>
-              <a:t>10/18/21</a:t>
+              <a:t>3/7/22</a:t>
             </a:fld>
             <a:endParaRPr lang="en-US"/>
           </a:p>
@@ -23609,7 +23609,7 @@
           <a:p>
             <a:fld id="{6700A58B-DD98-43D0-B791-721480A02982}" type="datetime1">
               <a:rPr lang="en-US" smtClean="0"/>
-              <a:t>10/18/21</a:t>
+              <a:t>3/7/22</a:t>
             </a:fld>
             <a:endParaRPr lang="en-US"/>
           </a:p>
@@ -24054,7 +24054,7 @@
           <a:p>
             <a:fld id="{9B19E99B-5349-415A-8E56-8E989211A366}" type="datetime1">
               <a:rPr lang="en-US" smtClean="0"/>
-              <a:t>10/18/21</a:t>
+              <a:t>3/7/22</a:t>
             </a:fld>
             <a:endParaRPr lang="en-US"/>
           </a:p>
